--- a/status.pptx
+++ b/status.pptx
@@ -250,7 +250,7 @@
           <a:p>
             <a:fld id="{70E6D131-A3DE-4189-80A0-632EAA92AEE1}" type="datetimeFigureOut">
               <a:rPr lang="ru-RU" smtClean="0"/>
-              <a:t>26.09.2016</a:t>
+              <a:t>27.09.2016</a:t>
             </a:fld>
             <a:endParaRPr lang="ru-RU"/>
           </a:p>
@@ -420,7 +420,7 @@
           <a:p>
             <a:fld id="{70E6D131-A3DE-4189-80A0-632EAA92AEE1}" type="datetimeFigureOut">
               <a:rPr lang="ru-RU" smtClean="0"/>
-              <a:t>26.09.2016</a:t>
+              <a:t>27.09.2016</a:t>
             </a:fld>
             <a:endParaRPr lang="ru-RU"/>
           </a:p>
@@ -600,7 +600,7 @@
           <a:p>
             <a:fld id="{70E6D131-A3DE-4189-80A0-632EAA92AEE1}" type="datetimeFigureOut">
               <a:rPr lang="ru-RU" smtClean="0"/>
-              <a:t>26.09.2016</a:t>
+              <a:t>27.09.2016</a:t>
             </a:fld>
             <a:endParaRPr lang="ru-RU"/>
           </a:p>
@@ -770,7 +770,7 @@
           <a:p>
             <a:fld id="{70E6D131-A3DE-4189-80A0-632EAA92AEE1}" type="datetimeFigureOut">
               <a:rPr lang="ru-RU" smtClean="0"/>
-              <a:t>26.09.2016</a:t>
+              <a:t>27.09.2016</a:t>
             </a:fld>
             <a:endParaRPr lang="ru-RU"/>
           </a:p>
@@ -1016,7 +1016,7 @@
           <a:p>
             <a:fld id="{70E6D131-A3DE-4189-80A0-632EAA92AEE1}" type="datetimeFigureOut">
               <a:rPr lang="ru-RU" smtClean="0"/>
-              <a:t>26.09.2016</a:t>
+              <a:t>27.09.2016</a:t>
             </a:fld>
             <a:endParaRPr lang="ru-RU"/>
           </a:p>
@@ -1248,7 +1248,7 @@
           <a:p>
             <a:fld id="{70E6D131-A3DE-4189-80A0-632EAA92AEE1}" type="datetimeFigureOut">
               <a:rPr lang="ru-RU" smtClean="0"/>
-              <a:t>26.09.2016</a:t>
+              <a:t>27.09.2016</a:t>
             </a:fld>
             <a:endParaRPr lang="ru-RU"/>
           </a:p>
@@ -1615,7 +1615,7 @@
           <a:p>
             <a:fld id="{70E6D131-A3DE-4189-80A0-632EAA92AEE1}" type="datetimeFigureOut">
               <a:rPr lang="ru-RU" smtClean="0"/>
-              <a:t>26.09.2016</a:t>
+              <a:t>27.09.2016</a:t>
             </a:fld>
             <a:endParaRPr lang="ru-RU"/>
           </a:p>
@@ -1733,7 +1733,7 @@
           <a:p>
             <a:fld id="{70E6D131-A3DE-4189-80A0-632EAA92AEE1}" type="datetimeFigureOut">
               <a:rPr lang="ru-RU" smtClean="0"/>
-              <a:t>26.09.2016</a:t>
+              <a:t>27.09.2016</a:t>
             </a:fld>
             <a:endParaRPr lang="ru-RU"/>
           </a:p>
@@ -1828,7 +1828,7 @@
           <a:p>
             <a:fld id="{70E6D131-A3DE-4189-80A0-632EAA92AEE1}" type="datetimeFigureOut">
               <a:rPr lang="ru-RU" smtClean="0"/>
-              <a:t>26.09.2016</a:t>
+              <a:t>27.09.2016</a:t>
             </a:fld>
             <a:endParaRPr lang="ru-RU"/>
           </a:p>
@@ -2105,7 +2105,7 @@
           <a:p>
             <a:fld id="{70E6D131-A3DE-4189-80A0-632EAA92AEE1}" type="datetimeFigureOut">
               <a:rPr lang="ru-RU" smtClean="0"/>
-              <a:t>26.09.2016</a:t>
+              <a:t>27.09.2016</a:t>
             </a:fld>
             <a:endParaRPr lang="ru-RU"/>
           </a:p>
@@ -2358,7 +2358,7 @@
           <a:p>
             <a:fld id="{70E6D131-A3DE-4189-80A0-632EAA92AEE1}" type="datetimeFigureOut">
               <a:rPr lang="ru-RU" smtClean="0"/>
-              <a:t>26.09.2016</a:t>
+              <a:t>27.09.2016</a:t>
             </a:fld>
             <a:endParaRPr lang="ru-RU"/>
           </a:p>
@@ -2571,7 +2571,7 @@
           <a:p>
             <a:fld id="{70E6D131-A3DE-4189-80A0-632EAA92AEE1}" type="datetimeFigureOut">
               <a:rPr lang="ru-RU" smtClean="0"/>
-              <a:t>26.09.2016</a:t>
+              <a:t>27.09.2016</a:t>
             </a:fld>
             <a:endParaRPr lang="ru-RU"/>
           </a:p>
@@ -3173,11 +3173,7 @@
           <a:p>
             <a:r>
               <a:rPr lang="ru-RU" dirty="0" smtClean="0"/>
-              <a:t>Опечатки в </a:t>
-            </a:r>
-            <a:r>
-              <a:rPr lang="ru-RU" dirty="0" smtClean="0"/>
-              <a:t>названиях файлов</a:t>
+              <a:t>Опечатки в названиях файлов</a:t>
             </a:r>
           </a:p>
           <a:p>
@@ -3199,7 +3195,6 @@
               <a:rPr lang="ru-RU" dirty="0" smtClean="0"/>
               <a:t>Нормировать?</a:t>
             </a:r>
-            <a:endParaRPr lang="ru-RU" dirty="0" smtClean="0"/>
           </a:p>
           <a:p>
             <a:r>
@@ -3425,17 +3420,6 @@
               </a:rPr>
               <a:t>Разработка алгоритмов обработки данных для электронного носа</a:t>
             </a:r>
-            <a:r>
-              <a:rPr lang="ru-RU" dirty="0">
-                <a:solidFill>
-                  <a:schemeClr val="accent4">
-                    <a:lumMod val="60000"/>
-                    <a:lumOff val="40000"/>
-                  </a:schemeClr>
-                </a:solidFill>
-              </a:rPr>
-              <a:t/>
-            </a:r>
             <a:br>
               <a:rPr lang="ru-RU" dirty="0">
                 <a:solidFill>
@@ -3493,10 +3477,6 @@
               <a:rPr lang="ru-RU" dirty="0"/>
               <a:t>Разработка архитектуры системы визуализации запахов на основе технологии смешанной реальности</a:t>
             </a:r>
-            <a:r>
-              <a:rPr lang="ru-RU" dirty="0"/>
-              <a:t/>
-            </a:r>
             <a:br>
               <a:rPr lang="ru-RU" dirty="0"/>
             </a:br>
@@ -3516,7 +3496,6 @@
               <a:rPr lang="ru-RU" dirty="0"/>
               <a:t>.</a:t>
             </a:r>
-            <a:endParaRPr lang="ru-RU" dirty="0"/>
           </a:p>
         </p:txBody>
       </p:sp>
@@ -3792,16 +3771,20 @@
               <a:t>Задача: </a:t>
             </a:r>
             <a:r>
-              <a:rPr lang="ru-RU" dirty="0" smtClean="0"/>
-              <a:t>классификации на </a:t>
-            </a:r>
-            <a:r>
               <a:rPr lang="en-US" dirty="0" smtClean="0"/>
-              <a:t>N </a:t>
-            </a:r>
-            <a:r>
-              <a:rPr lang="ru-RU" dirty="0" smtClean="0"/>
-              <a:t>признаков, где </a:t>
+              <a:t>N-label</a:t>
+            </a:r>
+            <a:r>
+              <a:rPr lang="en-US" b="1" dirty="0" smtClean="0"/>
+              <a:t> </a:t>
+            </a:r>
+            <a:r>
+              <a:rPr lang="ru-RU" dirty="0" smtClean="0"/>
+              <a:t>классификации, </a:t>
+            </a:r>
+            <a:r>
+              <a:rPr lang="ru-RU" dirty="0" smtClean="0"/>
+              <a:t>где </a:t>
             </a:r>
             <a:r>
               <a:rPr lang="en-US" dirty="0" smtClean="0"/>
@@ -3889,7 +3872,15 @@
             <a:pPr lvl="1"/>
             <a:r>
               <a:rPr lang="en-US" dirty="0" smtClean="0"/>
-              <a:t>CNN?</a:t>
+              <a:t>CNN (output – sigmoid, cost – binary </a:t>
+            </a:r>
+            <a:r>
+              <a:rPr lang="en-US" dirty="0" err="1" smtClean="0"/>
+              <a:t>crossentropy</a:t>
+            </a:r>
+            <a:r>
+              <a:rPr lang="en-US" dirty="0" smtClean="0"/>
+              <a:t>)</a:t>
             </a:r>
             <a:r>
               <a:rPr lang="ru-RU" dirty="0" smtClean="0"/>

--- a/status.pptx
+++ b/status.pptx
@@ -2988,16 +2988,18 @@
         </p:nvSpPr>
         <p:spPr/>
         <p:txBody>
-          <a:bodyPr/>
-          <a:lstStyle/>
-          <a:p>
-            <a:r>
-              <a:rPr lang="ru-RU" dirty="0" smtClean="0"/>
-              <a:t>Проект </a:t>
-            </a:r>
-            <a:r>
-              <a:rPr lang="en-US" dirty="0" smtClean="0"/>
-              <a:t>e-dog</a:t>
+          <a:bodyPr>
+            <a:normAutofit fontScale="90000"/>
+          </a:bodyPr>
+          <a:lstStyle/>
+          <a:p>
+            <a:r>
+              <a:rPr lang="ru-RU" dirty="0"/>
+              <a:t>Алгоритмы анализа данных в системе визуализации </a:t>
+            </a:r>
+            <a:r>
+              <a:rPr lang="ru-RU" dirty="0" smtClean="0"/>
+              <a:t>запахов</a:t>
             </a:r>
             <a:endParaRPr lang="ru-RU" dirty="0"/>
           </a:p>
@@ -3013,7 +3015,12 @@
             <p:ph type="subTitle" idx="1"/>
           </p:nvPr>
         </p:nvSpPr>
-        <p:spPr/>
+        <p:spPr>
+          <a:xfrm>
+            <a:off x="1524000" y="4473569"/>
+            <a:ext cx="9144000" cy="1655762"/>
+          </a:xfrm>
+        </p:spPr>
         <p:txBody>
           <a:bodyPr>
             <a:noAutofit/>
@@ -3029,7 +3036,7 @@
               </a:spcBef>
             </a:pPr>
             <a:r>
-              <a:rPr lang="ru-RU" sz="1400" dirty="0" smtClean="0"/>
+              <a:rPr lang="ru-RU" sz="2600" dirty="0" smtClean="0"/>
               <a:t>Белова, Власов</a:t>
             </a:r>
           </a:p>
@@ -3043,7 +3050,7 @@
               </a:spcBef>
             </a:pPr>
             <a:r>
-              <a:rPr lang="ru-RU" sz="1400" dirty="0" smtClean="0"/>
+              <a:rPr lang="ru-RU" sz="2600" dirty="0" smtClean="0"/>
               <a:t>Лапшин, Латышев</a:t>
             </a:r>
           </a:p>
@@ -3057,7 +3064,7 @@
               </a:spcBef>
             </a:pPr>
             <a:r>
-              <a:rPr lang="ru-RU" sz="1400" dirty="0" smtClean="0"/>
+              <a:rPr lang="ru-RU" sz="2600" dirty="0" smtClean="0"/>
               <a:t>Семенов, Тимофеев</a:t>
             </a:r>
           </a:p>
@@ -3071,7 +3078,7 @@
               </a:spcBef>
             </a:pPr>
             <a:r>
-              <a:rPr lang="ru-RU" sz="1400" dirty="0" smtClean="0"/>
+              <a:rPr lang="ru-RU" sz="2600" dirty="0" smtClean="0"/>
               <a:t>Шадрина</a:t>
             </a:r>
           </a:p>
@@ -3084,7 +3091,7 @@
                 <a:spcPts val="0"/>
               </a:spcBef>
             </a:pPr>
-            <a:endParaRPr lang="ru-RU" sz="1400" dirty="0"/>
+            <a:endParaRPr lang="ru-RU" sz="2600" dirty="0"/>
           </a:p>
         </p:txBody>
       </p:sp>
@@ -3780,11 +3787,7 @@
             </a:r>
             <a:r>
               <a:rPr lang="ru-RU" dirty="0" smtClean="0"/>
-              <a:t>классификации, </a:t>
-            </a:r>
-            <a:r>
-              <a:rPr lang="ru-RU" dirty="0" smtClean="0"/>
-              <a:t>где </a:t>
+              <a:t>классификации, где </a:t>
             </a:r>
             <a:r>
               <a:rPr lang="en-US" dirty="0" smtClean="0"/>
